--- a/Slides/Class28.pptx
+++ b/Slides/Class28.pptx
@@ -226,7 +226,7 @@
           <a:p>
             <a:fld id="{C24322AF-E05B-7249-906C-FBAC6154C037}" type="datetimeFigureOut">
               <a:rPr lang="en-US" smtClean="0"/>
-              <a:t>12/11/18</a:t>
+              <a:t>6/18/25</a:t>
             </a:fld>
             <a:endParaRPr lang="en-US"/>
           </a:p>
@@ -392,7 +392,7 @@
             <a:fld id="{06A43BE5-3BD4-F642-8751-88A31D8D6D13}" type="datetimeFigureOut">
               <a:rPr lang="en-US" smtClean="0"/>
               <a:pPr/>
-              <a:t>12/11/18</a:t>
+              <a:t>6/18/25</a:t>
             </a:fld>
             <a:endParaRPr lang="en-US"/>
           </a:p>
@@ -935,7 +935,7 @@
             <a:fld id="{A4FA2B0E-4818-9849-9CF1-1031FD4E1DAB}" type="datetimeFigureOut">
               <a:rPr lang="en-US" smtClean="0"/>
               <a:pPr/>
-              <a:t>12/11/18</a:t>
+              <a:t>6/18/25</a:t>
             </a:fld>
             <a:endParaRPr lang="en-US"/>
           </a:p>
@@ -1100,7 +1100,7 @@
             <a:fld id="{A4FA2B0E-4818-9849-9CF1-1031FD4E1DAB}" type="datetimeFigureOut">
               <a:rPr lang="en-US" smtClean="0"/>
               <a:pPr/>
-              <a:t>12/11/18</a:t>
+              <a:t>6/18/25</a:t>
             </a:fld>
             <a:endParaRPr lang="en-US"/>
           </a:p>
@@ -1275,7 +1275,7 @@
             <a:fld id="{A4FA2B0E-4818-9849-9CF1-1031FD4E1DAB}" type="datetimeFigureOut">
               <a:rPr lang="en-US" smtClean="0"/>
               <a:pPr/>
-              <a:t>12/11/18</a:t>
+              <a:t>6/18/25</a:t>
             </a:fld>
             <a:endParaRPr lang="en-US"/>
           </a:p>
@@ -1440,7 +1440,7 @@
             <a:fld id="{A4FA2B0E-4818-9849-9CF1-1031FD4E1DAB}" type="datetimeFigureOut">
               <a:rPr lang="en-US" smtClean="0"/>
               <a:pPr/>
-              <a:t>12/11/18</a:t>
+              <a:t>6/18/25</a:t>
             </a:fld>
             <a:endParaRPr lang="en-US"/>
           </a:p>
@@ -1682,7 +1682,7 @@
             <a:fld id="{A4FA2B0E-4818-9849-9CF1-1031FD4E1DAB}" type="datetimeFigureOut">
               <a:rPr lang="en-US" smtClean="0"/>
               <a:pPr/>
-              <a:t>12/11/18</a:t>
+              <a:t>6/18/25</a:t>
             </a:fld>
             <a:endParaRPr lang="en-US"/>
           </a:p>
@@ -1964,7 +1964,7 @@
             <a:fld id="{A4FA2B0E-4818-9849-9CF1-1031FD4E1DAB}" type="datetimeFigureOut">
               <a:rPr lang="en-US" smtClean="0"/>
               <a:pPr/>
-              <a:t>12/11/18</a:t>
+              <a:t>6/18/25</a:t>
             </a:fld>
             <a:endParaRPr lang="en-US"/>
           </a:p>
@@ -2380,7 +2380,7 @@
             <a:fld id="{A4FA2B0E-4818-9849-9CF1-1031FD4E1DAB}" type="datetimeFigureOut">
               <a:rPr lang="en-US" smtClean="0"/>
               <a:pPr/>
-              <a:t>12/11/18</a:t>
+              <a:t>6/18/25</a:t>
             </a:fld>
             <a:endParaRPr lang="en-US"/>
           </a:p>
@@ -2494,7 +2494,7 @@
             <a:fld id="{A4FA2B0E-4818-9849-9CF1-1031FD4E1DAB}" type="datetimeFigureOut">
               <a:rPr lang="en-US" smtClean="0"/>
               <a:pPr/>
-              <a:t>12/11/18</a:t>
+              <a:t>6/18/25</a:t>
             </a:fld>
             <a:endParaRPr lang="en-US"/>
           </a:p>
@@ -2586,7 +2586,7 @@
             <a:fld id="{A4FA2B0E-4818-9849-9CF1-1031FD4E1DAB}" type="datetimeFigureOut">
               <a:rPr lang="en-US" smtClean="0"/>
               <a:pPr/>
-              <a:t>12/11/18</a:t>
+              <a:t>6/18/25</a:t>
             </a:fld>
             <a:endParaRPr lang="en-US"/>
           </a:p>
@@ -2858,7 +2858,7 @@
             <a:fld id="{A4FA2B0E-4818-9849-9CF1-1031FD4E1DAB}" type="datetimeFigureOut">
               <a:rPr lang="en-US" smtClean="0"/>
               <a:pPr/>
-              <a:t>12/11/18</a:t>
+              <a:t>6/18/25</a:t>
             </a:fld>
             <a:endParaRPr lang="en-US"/>
           </a:p>
@@ -3107,7 +3107,7 @@
             <a:fld id="{A4FA2B0E-4818-9849-9CF1-1031FD4E1DAB}" type="datetimeFigureOut">
               <a:rPr lang="en-US" smtClean="0"/>
               <a:pPr/>
-              <a:t>12/11/18</a:t>
+              <a:t>6/18/25</a:t>
             </a:fld>
             <a:endParaRPr lang="en-US"/>
           </a:p>
@@ -3315,7 +3315,7 @@
             <a:fld id="{A4FA2B0E-4818-9849-9CF1-1031FD4E1DAB}" type="datetimeFigureOut">
               <a:rPr lang="en-US" smtClean="0"/>
               <a:pPr/>
-              <a:t>12/11/18</a:t>
+              <a:t>6/18/25</a:t>
             </a:fld>
             <a:endParaRPr lang="en-US"/>
           </a:p>
